--- a/doc/section1.pptx
+++ b/doc/section1.pptx
@@ -16031,7 +16031,7 @@
             <a:graphicData uri="http://schemas.openxmlformats.org/presentationml/2006/ole">
               <mc:AlternateContent xmlns:mc="http://schemas.openxmlformats.org/markup-compatibility/2006">
                 <mc:Choice xmlns:v="urn:schemas-microsoft-com:vml" Requires="v">
-                  <p:oleObj spid="_x0000_s7189" name="VISIO" r:id="rId4" imgW="1549800" imgH="2097000" progId="Visio.Drawing.6">
+                  <p:oleObj spid="_x0000_s7191" name="VISIO" r:id="rId4" imgW="1549800" imgH="2097000" progId="Visio.Drawing.6">
                     <p:embed/>
                   </p:oleObj>
                 </mc:Choice>
@@ -16331,7 +16331,7 @@
           <a:graphicData uri="http://schemas.openxmlformats.org/presentationml/2006/ole">
             <mc:AlternateContent xmlns:mc="http://schemas.openxmlformats.org/markup-compatibility/2006">
               <mc:Choice xmlns:v="urn:schemas-microsoft-com:vml" Requires="v">
-                <p:oleObj spid="_x0000_s9257" name="VISIO" r:id="rId4" imgW="2761200" imgH="1794600" progId="Visio.Drawing.6">
+                <p:oleObj spid="_x0000_s9261" name="VISIO" r:id="rId4" imgW="2761200" imgH="1794600" progId="Visio.Drawing.6">
                   <p:embed/>
                 </p:oleObj>
               </mc:Choice>
@@ -16426,7 +16426,7 @@
           <a:graphicData uri="http://schemas.openxmlformats.org/presentationml/2006/ole">
             <mc:AlternateContent xmlns:mc="http://schemas.openxmlformats.org/markup-compatibility/2006">
               <mc:Choice xmlns:v="urn:schemas-microsoft-com:vml" Requires="v">
-                <p:oleObj spid="_x0000_s9258" name="VISIO" r:id="rId6" imgW="1380960" imgH="1779120" progId="Visio.Drawing.6">
+                <p:oleObj spid="_x0000_s9262" name="VISIO" r:id="rId6" imgW="1380960" imgH="1779120" progId="Visio.Drawing.6">
                   <p:embed/>
                 </p:oleObj>
               </mc:Choice>
@@ -17093,7 +17093,7 @@
         <p:spPr/>
         <p:txBody>
           <a:bodyPr>
-            <a:normAutofit/>
+            <a:normAutofit lnSpcReduction="10000"/>
           </a:bodyPr>
           <a:lstStyle/>
           <a:p>
@@ -17119,11 +17119,11 @@
           <a:p>
             <a:pPr lvl="2"/>
             <a:r>
-              <a:rPr lang="en-US" smtClean="0"/>
+              <a:rPr lang="en-US" dirty="0" smtClean="0"/>
               <a:t>Maven </a:t>
             </a:r>
             <a:r>
-              <a:rPr lang="en-US" smtClean="0"/>
+              <a:rPr lang="en-US" dirty="0" smtClean="0"/>
               <a:t>projects </a:t>
             </a:r>
             <a:r>
@@ -17144,6 +17144,18 @@
                 <a:hlinkClick r:id="rId2"/>
               </a:rPr>
               <a:t>analysis</a:t>
+            </a:r>
+            <a:endParaRPr lang="en-US" dirty="0" smtClean="0"/>
+          </a:p>
+          <a:p>
+            <a:pPr lvl="4"/>
+            <a:r>
+              <a:rPr lang="en-US" smtClean="0"/>
+              <a:t>slides </a:t>
+            </a:r>
+            <a:r>
+              <a:rPr lang="en-US" dirty="0" smtClean="0"/>
+              <a:t>are here</a:t>
             </a:r>
             <a:endParaRPr lang="en-US" dirty="0" smtClean="0"/>
           </a:p>
